--- a/inst/figures/pipeline.pptx
+++ b/inst/figures/pipeline.pptx
@@ -208,7 +208,7 @@
           <a:p>
             <a:fld id="{1781E5C5-68E8-0D48-BF05-08DD15CE8853}" type="datetimeFigureOut">
               <a:rPr lang="en-GB" smtClean="0"/>
-              <a:t>30/01/2022</a:t>
+              <a:t>31/01/2022</a:t>
             </a:fld>
             <a:endParaRPr lang="en-GB"/>
           </a:p>
@@ -706,7 +706,7 @@
           <a:p>
             <a:fld id="{33B2751E-830F-F848-8DC0-92804568C30C}" type="datetimeFigureOut">
               <a:rPr lang="en-GB" smtClean="0"/>
-              <a:t>30/01/2022</a:t>
+              <a:t>31/01/2022</a:t>
             </a:fld>
             <a:endParaRPr lang="en-GB"/>
           </a:p>
@@ -904,7 +904,7 @@
           <a:p>
             <a:fld id="{33B2751E-830F-F848-8DC0-92804568C30C}" type="datetimeFigureOut">
               <a:rPr lang="en-GB" smtClean="0"/>
-              <a:t>30/01/2022</a:t>
+              <a:t>31/01/2022</a:t>
             </a:fld>
             <a:endParaRPr lang="en-GB"/>
           </a:p>
@@ -1112,7 +1112,7 @@
           <a:p>
             <a:fld id="{33B2751E-830F-F848-8DC0-92804568C30C}" type="datetimeFigureOut">
               <a:rPr lang="en-GB" smtClean="0"/>
-              <a:t>30/01/2022</a:t>
+              <a:t>31/01/2022</a:t>
             </a:fld>
             <a:endParaRPr lang="en-GB"/>
           </a:p>
@@ -1310,7 +1310,7 @@
           <a:p>
             <a:fld id="{33B2751E-830F-F848-8DC0-92804568C30C}" type="datetimeFigureOut">
               <a:rPr lang="en-GB" smtClean="0"/>
-              <a:t>30/01/2022</a:t>
+              <a:t>31/01/2022</a:t>
             </a:fld>
             <a:endParaRPr lang="en-GB"/>
           </a:p>
@@ -1585,7 +1585,7 @@
           <a:p>
             <a:fld id="{33B2751E-830F-F848-8DC0-92804568C30C}" type="datetimeFigureOut">
               <a:rPr lang="en-GB" smtClean="0"/>
-              <a:t>30/01/2022</a:t>
+              <a:t>31/01/2022</a:t>
             </a:fld>
             <a:endParaRPr lang="en-GB"/>
           </a:p>
@@ -1850,7 +1850,7 @@
           <a:p>
             <a:fld id="{33B2751E-830F-F848-8DC0-92804568C30C}" type="datetimeFigureOut">
               <a:rPr lang="en-GB" smtClean="0"/>
-              <a:t>30/01/2022</a:t>
+              <a:t>31/01/2022</a:t>
             </a:fld>
             <a:endParaRPr lang="en-GB"/>
           </a:p>
@@ -2262,7 +2262,7 @@
           <a:p>
             <a:fld id="{33B2751E-830F-F848-8DC0-92804568C30C}" type="datetimeFigureOut">
               <a:rPr lang="en-GB" smtClean="0"/>
-              <a:t>30/01/2022</a:t>
+              <a:t>31/01/2022</a:t>
             </a:fld>
             <a:endParaRPr lang="en-GB"/>
           </a:p>
@@ -2403,7 +2403,7 @@
           <a:p>
             <a:fld id="{33B2751E-830F-F848-8DC0-92804568C30C}" type="datetimeFigureOut">
               <a:rPr lang="en-GB" smtClean="0"/>
-              <a:t>30/01/2022</a:t>
+              <a:t>31/01/2022</a:t>
             </a:fld>
             <a:endParaRPr lang="en-GB"/>
           </a:p>
@@ -2516,7 +2516,7 @@
           <a:p>
             <a:fld id="{33B2751E-830F-F848-8DC0-92804568C30C}" type="datetimeFigureOut">
               <a:rPr lang="en-GB" smtClean="0"/>
-              <a:t>30/01/2022</a:t>
+              <a:t>31/01/2022</a:t>
             </a:fld>
             <a:endParaRPr lang="en-GB"/>
           </a:p>
@@ -2827,7 +2827,7 @@
           <a:p>
             <a:fld id="{33B2751E-830F-F848-8DC0-92804568C30C}" type="datetimeFigureOut">
               <a:rPr lang="en-GB" smtClean="0"/>
-              <a:t>30/01/2022</a:t>
+              <a:t>31/01/2022</a:t>
             </a:fld>
             <a:endParaRPr lang="en-GB"/>
           </a:p>
@@ -3115,7 +3115,7 @@
           <a:p>
             <a:fld id="{33B2751E-830F-F848-8DC0-92804568C30C}" type="datetimeFigureOut">
               <a:rPr lang="en-GB" smtClean="0"/>
-              <a:t>30/01/2022</a:t>
+              <a:t>31/01/2022</a:t>
             </a:fld>
             <a:endParaRPr lang="en-GB"/>
           </a:p>
@@ -3356,7 +3356,7 @@
           <a:p>
             <a:fld id="{33B2751E-830F-F848-8DC0-92804568C30C}" type="datetimeFigureOut">
               <a:rPr lang="en-GB" smtClean="0"/>
-              <a:t>30/01/2022</a:t>
+              <a:t>31/01/2022</a:t>
             </a:fld>
             <a:endParaRPr lang="en-GB"/>
           </a:p>
@@ -5423,7 +5423,7 @@
                   </a:solidFill>
                   <a:latin typeface="Cambria" panose="02040503050406030204" pitchFamily="18" charset="0"/>
                 </a:rPr>
-                <a:t>Pathway analysis</a:t>
+                <a:t>Visualization</a:t>
               </a:r>
             </a:p>
           </p:txBody>
